--- a/part-2/part-2.pptx
+++ b/part-2/part-2.pptx
@@ -4068,7 +4068,7 @@
           <p:nvPr>
             <p:extLst>
               <p:ext uri="{D42A27DB-BD31-4B8C-83A1-F6EECF244321}">
-                <p14:modId xmlns:p14="http://schemas.microsoft.com/office/powerpoint/2010/main" val="1100282815"/>
+                <p14:modId xmlns:p14="http://schemas.microsoft.com/office/powerpoint/2010/main" val="2141960299"/>
               </p:ext>
             </p:extLst>
           </p:nvPr>
@@ -4107,7 +4107,7 @@
                     <a:p>
                       <a:r>
                         <a:rPr lang="en-US" dirty="0"/>
-                        <a:t>rsvp</a:t>
+                        <a:t>signup</a:t>
                       </a:r>
                     </a:p>
                   </a:txBody>
@@ -4629,13 +4629,22 @@
               <a:t>// </a:t>
             </a:r>
             <a:r>
-              <a:rPr lang="en-US" sz="1400" dirty="0" err="1">
+              <a:rPr lang="en-US" sz="1400">
                 <a:solidFill>
                   <a:schemeClr val="bg1"/>
                 </a:solidFill>
                 <a:latin typeface="Courier New" panose="02070309020205020404" pitchFamily="49" charset="0"/>
               </a:rPr>
-              <a:t>rsvp.json</a:t>
+              <a:t>signup.</a:t>
+            </a:r>
+            <a:r>
+              <a:rPr lang="en-US" sz="1400" dirty="0" err="1">
+                <a:solidFill>
+                  <a:schemeClr val="bg1"/>
+                </a:solidFill>
+                <a:latin typeface="Courier New" panose="02070309020205020404" pitchFamily="49" charset="0"/>
+              </a:rPr>
+              <a:t>json</a:t>
             </a:r>
             <a:br>
               <a:rPr lang="en-US" sz="1400" dirty="0">

--- a/part-2/part-2.pptx
+++ b/part-2/part-2.pptx
@@ -3505,14 +3505,14 @@
           <p:nvPr>
             <p:extLst>
               <p:ext uri="{D42A27DB-BD31-4B8C-83A1-F6EECF244321}">
-                <p14:modId xmlns:p14="http://schemas.microsoft.com/office/powerpoint/2010/main" val="1716063055"/>
+                <p14:modId xmlns:p14="http://schemas.microsoft.com/office/powerpoint/2010/main" val="1598300930"/>
               </p:ext>
             </p:extLst>
           </p:nvPr>
         </p:nvGraphicFramePr>
         <p:xfrm>
-          <a:off x="641226" y="4649610"/>
-          <a:ext cx="2781772" cy="1176648"/>
+          <a:off x="641225" y="4649610"/>
+          <a:ext cx="3460167" cy="1176648"/>
         </p:xfrm>
         <a:graphic>
           <a:graphicData uri="http://schemas.openxmlformats.org/drawingml/2006/table">
@@ -3521,14 +3521,14 @@
                 <a:tableStyleId>{21E4AEA4-8DFA-4A89-87EB-49C32662AFE0}</a:tableStyleId>
               </a:tblPr>
               <a:tblGrid>
-                <a:gridCol w="1695301">
+                <a:gridCol w="1669713">
                   <a:extLst>
                     <a:ext uri="{9D8B030D-6E8A-4147-A177-3AD203B41FA5}">
                       <a16:colId xmlns:a16="http://schemas.microsoft.com/office/drawing/2014/main" val="1023543051"/>
                     </a:ext>
                   </a:extLst>
                 </a:gridCol>
-                <a:gridCol w="1086471">
+                <a:gridCol w="1790454">
                   <a:extLst>
                     <a:ext uri="{9D8B030D-6E8A-4147-A177-3AD203B41FA5}">
                       <a16:colId xmlns:a16="http://schemas.microsoft.com/office/drawing/2014/main" val="1042119881"/>
@@ -3589,7 +3589,15 @@
                     <a:p>
                       <a:r>
                         <a:rPr lang="en-US" dirty="0"/>
-                        <a:t>(long)</a:t>
+                        <a:t>(</a:t>
+                      </a:r>
+                      <a:r>
+                        <a:rPr lang="en-US" dirty="0" err="1"/>
+                        <a:t>integer_range</a:t>
+                      </a:r>
+                      <a:r>
+                        <a:rPr lang="en-US" dirty="0"/>
+                        <a:t>)</a:t>
                       </a:r>
                     </a:p>
                   </a:txBody>
@@ -3623,23 +3631,7 @@
                     <a:p>
                       <a:r>
                         <a:rPr lang="en-US" dirty="0"/>
-                        <a:t>(</a:t>
-                      </a:r>
-                      <a:r>
-                        <a:rPr lang="en-US" dirty="0" err="1"/>
-                        <a:t>lat</a:t>
-                      </a:r>
-                      <a:r>
-                        <a:rPr lang="en-US" dirty="0"/>
-                        <a:t>, </a:t>
-                      </a:r>
-                      <a:r>
-                        <a:rPr lang="en-US" dirty="0" err="1"/>
-                        <a:t>lng</a:t>
-                      </a:r>
-                      <a:r>
-                        <a:rPr lang="en-US" dirty="0"/>
-                        <a:t>)</a:t>
+                        <a:t>(keyword)</a:t>
                       </a:r>
                     </a:p>
                   </a:txBody>
@@ -4412,12 +4404,15 @@
           <p:nvPr/>
         </p:nvCxnSpPr>
         <p:spPr>
-          <a:xfrm flipV="1">
-            <a:off x="3422998" y="3308465"/>
-            <a:ext cx="333426" cy="1929469"/>
+          <a:xfrm flipH="1" flipV="1">
+            <a:off x="3756424" y="3308465"/>
+            <a:ext cx="344968" cy="1929469"/>
           </a:xfrm>
-          <a:prstGeom prst="bentConnector2">
-            <a:avLst/>
+          <a:prstGeom prst="bentConnector4">
+            <a:avLst>
+              <a:gd name="adj1" fmla="val -66267"/>
+              <a:gd name="adj2" fmla="val 65246"/>
+            </a:avLst>
           </a:prstGeom>
           <a:ln>
             <a:solidFill>
